--- a/UNIDAD01_TEORIA_DE_PROBABILIDAD/00_U01_TeoriaDProbabilidad_Introduccion.pptx
+++ b/UNIDAD01_TEORIA_DE_PROBABILIDAD/00_U01_TeoriaDProbabilidad_Introduccion.pptx
@@ -6833,7 +6833,7 @@
         <p:spPr>
           <a:xfrm>
             <a:off x="0" y="3780000"/>
-            <a:ext cx="10078560" cy="1888560"/>
+            <a:ext cx="10078200" cy="1888200"/>
           </a:xfrm>
           <a:prstGeom prst="rect">
             <a:avLst/>
@@ -7131,8 +7131,8 @@
         </p:nvSpPr>
         <p:spPr>
           <a:xfrm flipV="1">
-            <a:off x="0" y="-2160"/>
-            <a:ext cx="10078560" cy="1078560"/>
+            <a:off x="0" y="-2880"/>
+            <a:ext cx="10078200" cy="1078200"/>
           </a:xfrm>
           <a:prstGeom prst="rect">
             <a:avLst/>
@@ -7436,8 +7436,8 @@
         </p:nvSpPr>
         <p:spPr>
           <a:xfrm flipV="1">
-            <a:off x="0" y="-2160"/>
-            <a:ext cx="10078560" cy="1078560"/>
+            <a:off x="0" y="-2880"/>
+            <a:ext cx="10078200" cy="1078200"/>
           </a:xfrm>
           <a:prstGeom prst="rect">
             <a:avLst/>
@@ -7735,8 +7735,8 @@
         </p:nvSpPr>
         <p:spPr>
           <a:xfrm flipV="1">
-            <a:off x="0" y="-2160"/>
-            <a:ext cx="10078560" cy="1078560"/>
+            <a:off x="0" y="-2880"/>
+            <a:ext cx="10078200" cy="1078200"/>
           </a:xfrm>
           <a:prstGeom prst="rect">
             <a:avLst/>
@@ -8026,8 +8026,8 @@
         </p:nvSpPr>
         <p:spPr>
           <a:xfrm flipV="1">
-            <a:off x="0" y="-2160"/>
-            <a:ext cx="10078560" cy="178560"/>
+            <a:off x="0" y="-2880"/>
+            <a:ext cx="10078200" cy="178200"/>
           </a:xfrm>
           <a:prstGeom prst="rect">
             <a:avLst/>
@@ -8065,7 +8065,7 @@
         <p:spPr>
           <a:xfrm>
             <a:off x="0" y="5580000"/>
-            <a:ext cx="10078560" cy="88560"/>
+            <a:ext cx="10078200" cy="88200"/>
           </a:xfrm>
           <a:prstGeom prst="rect">
             <a:avLst/>
@@ -8364,7 +8364,7 @@
         <p:spPr>
           <a:xfrm>
             <a:off x="450000" y="270000"/>
-            <a:ext cx="8998560" cy="3238560"/>
+            <a:ext cx="8998200" cy="3238200"/>
           </a:xfrm>
           <a:prstGeom prst="rect">
             <a:avLst/>
@@ -8415,7 +8415,7 @@
         <p:spPr>
           <a:xfrm>
             <a:off x="450000" y="3870000"/>
-            <a:ext cx="8998560" cy="1168560"/>
+            <a:ext cx="8998200" cy="1168200"/>
           </a:xfrm>
           <a:prstGeom prst="rect">
             <a:avLst/>
@@ -8504,7 +8504,7 @@
         <p:spPr>
           <a:xfrm>
             <a:off x="502920" y="90720"/>
-            <a:ext cx="9070200" cy="945360"/>
+            <a:ext cx="9069840" cy="945000"/>
           </a:xfrm>
           <a:prstGeom prst="rect">
             <a:avLst/>
@@ -8555,7 +8555,7 @@
         <p:spPr>
           <a:xfrm>
             <a:off x="502920" y="1440000"/>
-            <a:ext cx="9020520" cy="3496320"/>
+            <a:ext cx="9020160" cy="3495960"/>
           </a:xfrm>
           <a:prstGeom prst="rect">
             <a:avLst/>
@@ -8581,7 +8581,7 @@
         <p:spPr>
           <a:xfrm>
             <a:off x="349200" y="1118880"/>
-            <a:ext cx="8998920" cy="2392920"/>
+            <a:ext cx="8998560" cy="2392560"/>
           </a:xfrm>
           <a:prstGeom prst="rect">
             <a:avLst/>
@@ -8824,7 +8824,7 @@
             <p:spPr>
               <a:xfrm>
                 <a:off x="4723560" y="2666520"/>
-                <a:ext cx="719280" cy="359280"/>
+                <a:ext cx="718920" cy="358920"/>
               </a:xfrm>
               <a:prstGeom prst="rect">
                 <a:avLst/>
@@ -8855,7 +8855,7 @@
         <p:spPr>
           <a:xfrm>
             <a:off x="495000" y="2263320"/>
-            <a:ext cx="1484640" cy="256320"/>
+            <a:ext cx="1484280" cy="255960"/>
           </a:xfrm>
           <a:prstGeom prst="rect">
             <a:avLst/>
@@ -8878,7 +8878,7 @@
         <p:spPr>
           <a:xfrm>
             <a:off x="502920" y="2880000"/>
-            <a:ext cx="2103840" cy="265680"/>
+            <a:ext cx="2103480" cy="265320"/>
           </a:xfrm>
           <a:prstGeom prst="rect">
             <a:avLst/>
@@ -8935,7 +8935,7 @@
         <p:spPr>
           <a:xfrm>
             <a:off x="502920" y="90720"/>
-            <a:ext cx="9070200" cy="945360"/>
+            <a:ext cx="9069840" cy="945000"/>
           </a:xfrm>
           <a:prstGeom prst="rect">
             <a:avLst/>
@@ -8986,7 +8986,7 @@
         <p:spPr>
           <a:xfrm>
             <a:off x="502920" y="1440000"/>
-            <a:ext cx="9020520" cy="3496320"/>
+            <a:ext cx="9020160" cy="3495960"/>
           </a:xfrm>
           <a:prstGeom prst="rect">
             <a:avLst/>
@@ -9012,7 +9012,7 @@
         <p:spPr>
           <a:xfrm>
             <a:off x="349200" y="1118880"/>
-            <a:ext cx="8998920" cy="2904840"/>
+            <a:ext cx="8998560" cy="2904480"/>
           </a:xfrm>
           <a:prstGeom prst="rect">
             <a:avLst/>
@@ -9223,7 +9223,7 @@
         <p:spPr>
           <a:xfrm>
             <a:off x="502920" y="630720"/>
-            <a:ext cx="9070200" cy="4387320"/>
+            <a:ext cx="9069840" cy="4386960"/>
           </a:xfrm>
           <a:prstGeom prst="rect">
             <a:avLst/>
@@ -9249,7 +9249,7 @@
         <p:spPr>
           <a:xfrm>
             <a:off x="360000" y="360000"/>
-            <a:ext cx="9213120" cy="2904840"/>
+            <a:ext cx="9212760" cy="2904480"/>
           </a:xfrm>
           <a:prstGeom prst="rect">
             <a:avLst/>
@@ -9458,7 +9458,7 @@
         <p:spPr>
           <a:xfrm>
             <a:off x="502920" y="90720"/>
-            <a:ext cx="9070200" cy="945360"/>
+            <a:ext cx="9069840" cy="945000"/>
           </a:xfrm>
           <a:prstGeom prst="rect">
             <a:avLst/>
@@ -9509,7 +9509,7 @@
         <p:spPr>
           <a:xfrm>
             <a:off x="502920" y="1440000"/>
-            <a:ext cx="9020520" cy="3496320"/>
+            <a:ext cx="9020160" cy="3495960"/>
           </a:xfrm>
           <a:prstGeom prst="rect">
             <a:avLst/>
@@ -9535,7 +9535,7 @@
         <p:spPr>
           <a:xfrm>
             <a:off x="360000" y="2893680"/>
-            <a:ext cx="8983440" cy="345240"/>
+            <a:ext cx="8983080" cy="344880"/>
           </a:xfrm>
           <a:prstGeom prst="rect">
             <a:avLst/>
@@ -9606,7 +9606,7 @@
         <p:spPr>
           <a:xfrm>
             <a:off x="318600" y="1428840"/>
-            <a:ext cx="8983440" cy="345240"/>
+            <a:ext cx="8983080" cy="344880"/>
           </a:xfrm>
           <a:prstGeom prst="rect">
             <a:avLst/>
@@ -9657,7 +9657,7 @@
         <p:spPr>
           <a:xfrm>
             <a:off x="360000" y="1980000"/>
-            <a:ext cx="6478920" cy="857160"/>
+            <a:ext cx="6478560" cy="856800"/>
           </a:xfrm>
           <a:prstGeom prst="rect">
             <a:avLst/>
@@ -9738,7 +9738,7 @@
         <p:spPr>
           <a:xfrm>
             <a:off x="360000" y="3420000"/>
-            <a:ext cx="8998920" cy="1625040"/>
+            <a:ext cx="8998560" cy="1624680"/>
           </a:xfrm>
           <a:prstGeom prst="rect">
             <a:avLst/>
@@ -9887,7 +9887,7 @@
         <p:spPr>
           <a:xfrm>
             <a:off x="502920" y="90720"/>
-            <a:ext cx="9070200" cy="945360"/>
+            <a:ext cx="9069840" cy="945000"/>
           </a:xfrm>
           <a:prstGeom prst="rect">
             <a:avLst/>
@@ -9938,7 +9938,7 @@
         <p:spPr>
           <a:xfrm>
             <a:off x="502920" y="1440000"/>
-            <a:ext cx="9020520" cy="3496320"/>
+            <a:ext cx="9020160" cy="3495960"/>
           </a:xfrm>
           <a:prstGeom prst="rect">
             <a:avLst/>
@@ -9964,7 +9964,7 @@
         <p:spPr>
           <a:xfrm>
             <a:off x="296640" y="1107720"/>
-            <a:ext cx="8983440" cy="601200"/>
+            <a:ext cx="8983080" cy="600840"/>
           </a:xfrm>
           <a:prstGeom prst="rect">
             <a:avLst/>
@@ -10015,7 +10015,7 @@
         <p:spPr>
           <a:xfrm>
             <a:off x="304560" y="1672920"/>
-            <a:ext cx="8998920" cy="3928680"/>
+            <a:ext cx="8998560" cy="3928320"/>
           </a:xfrm>
           <a:prstGeom prst="rect">
             <a:avLst/>
@@ -10184,7 +10184,7 @@
         <p:spPr>
           <a:xfrm>
             <a:off x="502920" y="90720"/>
-            <a:ext cx="9070200" cy="945360"/>
+            <a:ext cx="9069840" cy="945000"/>
           </a:xfrm>
           <a:prstGeom prst="rect">
             <a:avLst/>
@@ -10235,7 +10235,7 @@
         <p:spPr>
           <a:xfrm>
             <a:off x="502920" y="1440000"/>
-            <a:ext cx="9020520" cy="3496320"/>
+            <a:ext cx="9020160" cy="3495960"/>
           </a:xfrm>
           <a:prstGeom prst="rect">
             <a:avLst/>
@@ -10261,7 +10261,7 @@
         <p:spPr>
           <a:xfrm>
             <a:off x="349200" y="1118880"/>
-            <a:ext cx="8998920" cy="1625040"/>
+            <a:ext cx="8998560" cy="1624680"/>
           </a:xfrm>
           <a:prstGeom prst="rect">
             <a:avLst/>
@@ -10342,7 +10342,7 @@
         <p:spPr>
           <a:xfrm>
             <a:off x="360000" y="3081960"/>
-            <a:ext cx="8998920" cy="2392920"/>
+            <a:ext cx="8998560" cy="2392560"/>
           </a:xfrm>
           <a:prstGeom prst="rect">
             <a:avLst/>
@@ -10541,7 +10541,7 @@
         <p:spPr>
           <a:xfrm>
             <a:off x="502920" y="90720"/>
-            <a:ext cx="9070200" cy="945360"/>
+            <a:ext cx="9069840" cy="945000"/>
           </a:xfrm>
           <a:prstGeom prst="rect">
             <a:avLst/>
@@ -10592,7 +10592,7 @@
         <p:spPr>
           <a:xfrm>
             <a:off x="502920" y="1440000"/>
-            <a:ext cx="9020520" cy="3496320"/>
+            <a:ext cx="9020160" cy="3495960"/>
           </a:xfrm>
           <a:prstGeom prst="rect">
             <a:avLst/>
@@ -10618,7 +10618,7 @@
         <p:spPr>
           <a:xfrm>
             <a:off x="349200" y="1118880"/>
-            <a:ext cx="8998920" cy="1369080"/>
+            <a:ext cx="8998560" cy="1368720"/>
           </a:xfrm>
           <a:prstGeom prst="rect">
             <a:avLst/>
@@ -10719,7 +10719,7 @@
         <p:spPr>
           <a:xfrm>
             <a:off x="360000" y="2700000"/>
-            <a:ext cx="8998920" cy="1625040"/>
+            <a:ext cx="8998560" cy="1624680"/>
           </a:xfrm>
           <a:prstGeom prst="rect">
             <a:avLst/>
@@ -10818,7 +10818,7 @@
         <p:spPr>
           <a:xfrm>
             <a:off x="502920" y="90720"/>
-            <a:ext cx="9070200" cy="945360"/>
+            <a:ext cx="9069840" cy="945000"/>
           </a:xfrm>
           <a:prstGeom prst="rect">
             <a:avLst/>
@@ -10869,7 +10869,7 @@
         <p:spPr>
           <a:xfrm>
             <a:off x="502920" y="1440000"/>
-            <a:ext cx="9020520" cy="3496320"/>
+            <a:ext cx="9020160" cy="3495960"/>
           </a:xfrm>
           <a:prstGeom prst="rect">
             <a:avLst/>
@@ -10895,7 +10895,7 @@
         <p:spPr>
           <a:xfrm>
             <a:off x="349200" y="1118880"/>
-            <a:ext cx="8998920" cy="3928680"/>
+            <a:ext cx="8998560" cy="3928320"/>
           </a:xfrm>
           <a:prstGeom prst="rect">
             <a:avLst/>
@@ -11214,7 +11214,7 @@
         <p:spPr>
           <a:xfrm>
             <a:off x="502920" y="90720"/>
-            <a:ext cx="9070200" cy="945360"/>
+            <a:ext cx="9069840" cy="945000"/>
           </a:xfrm>
           <a:prstGeom prst="rect">
             <a:avLst/>
@@ -11265,7 +11265,7 @@
         <p:spPr>
           <a:xfrm>
             <a:off x="502920" y="1440000"/>
-            <a:ext cx="9020520" cy="3496320"/>
+            <a:ext cx="9020160" cy="3495960"/>
           </a:xfrm>
           <a:prstGeom prst="rect">
             <a:avLst/>
@@ -11291,7 +11291,7 @@
         <p:spPr>
           <a:xfrm>
             <a:off x="349200" y="1118880"/>
-            <a:ext cx="8998920" cy="2392920"/>
+            <a:ext cx="8998560" cy="2392560"/>
           </a:xfrm>
           <a:prstGeom prst="rect">
             <a:avLst/>
@@ -11490,7 +11490,7 @@
         <p:spPr>
           <a:xfrm>
             <a:off x="502920" y="90720"/>
-            <a:ext cx="9070200" cy="945360"/>
+            <a:ext cx="9069840" cy="945000"/>
           </a:xfrm>
           <a:prstGeom prst="rect">
             <a:avLst/>
@@ -11541,7 +11541,7 @@
         <p:spPr>
           <a:xfrm>
             <a:off x="502920" y="1440000"/>
-            <a:ext cx="9020520" cy="3496320"/>
+            <a:ext cx="9020160" cy="3495960"/>
           </a:xfrm>
           <a:prstGeom prst="rect">
             <a:avLst/>
@@ -11567,7 +11567,7 @@
         <p:spPr>
           <a:xfrm>
             <a:off x="349200" y="1118880"/>
-            <a:ext cx="8998920" cy="3928680"/>
+            <a:ext cx="8998560" cy="3928320"/>
           </a:xfrm>
           <a:prstGeom prst="rect">
             <a:avLst/>
@@ -11756,7 +11756,7 @@
         <p:spPr>
           <a:xfrm>
             <a:off x="502920" y="90720"/>
-            <a:ext cx="9070200" cy="945360"/>
+            <a:ext cx="9069840" cy="945000"/>
           </a:xfrm>
           <a:prstGeom prst="rect">
             <a:avLst/>
@@ -11807,7 +11807,7 @@
         <p:spPr>
           <a:xfrm>
             <a:off x="502920" y="1440000"/>
-            <a:ext cx="9020520" cy="3496320"/>
+            <a:ext cx="9020160" cy="3495960"/>
           </a:xfrm>
           <a:prstGeom prst="rect">
             <a:avLst/>
@@ -11833,7 +11833,7 @@
         <p:spPr>
           <a:xfrm>
             <a:off x="349200" y="1118880"/>
-            <a:ext cx="8998920" cy="2392920"/>
+            <a:ext cx="8998560" cy="2392560"/>
           </a:xfrm>
           <a:prstGeom prst="rect">
             <a:avLst/>
